--- a/ppt 16-9/1194.婚姻祝词.pptx
+++ b/ppt 16-9/1194.婚姻祝词.pptx
@@ -129,7 +129,7 @@
           <p:cNvPr id="2" name="标题 1">
             <a:extLst>
               <a:ext uri="{FF2B5EF4-FFF2-40B4-BE49-F238E27FC236}">
-                <a16:creationId xmlns:a16="http://schemas.microsoft.com/office/drawing/2014/main" id="{52D4ADE5-3028-5C53-B9D0-DC59523DA5D3}"/>
+                <a16:creationId xmlns:a16="http://schemas.microsoft.com/office/drawing/2014/main" id="{F7A2BCAE-D435-3DB6-0405-3881DC6EA0CB}"/>
               </a:ext>
             </a:extLst>
           </p:cNvPr>
@@ -166,7 +166,7 @@
           <p:cNvPr id="3" name="副标题 2">
             <a:extLst>
               <a:ext uri="{FF2B5EF4-FFF2-40B4-BE49-F238E27FC236}">
-                <a16:creationId xmlns:a16="http://schemas.microsoft.com/office/drawing/2014/main" id="{4C86CD94-4816-A277-EA12-6E64CAA7A9A4}"/>
+                <a16:creationId xmlns:a16="http://schemas.microsoft.com/office/drawing/2014/main" id="{89F5A32E-29CE-31D8-6D03-A9DF44BA9626}"/>
               </a:ext>
             </a:extLst>
           </p:cNvPr>
@@ -236,7 +236,7 @@
           <p:cNvPr id="4" name="日期占位符 3">
             <a:extLst>
               <a:ext uri="{FF2B5EF4-FFF2-40B4-BE49-F238E27FC236}">
-                <a16:creationId xmlns:a16="http://schemas.microsoft.com/office/drawing/2014/main" id="{4C25BA15-2BD3-E960-F937-ECB3F511296C}"/>
+                <a16:creationId xmlns:a16="http://schemas.microsoft.com/office/drawing/2014/main" id="{9422AA44-0030-D2E4-C85B-021DF7CD1B4C}"/>
               </a:ext>
             </a:extLst>
           </p:cNvPr>
@@ -252,7 +252,7 @@
           <a:bodyPr/>
           <a:lstStyle/>
           <a:p>
-            <a:fld id="{590BD0C9-7703-44E1-80EC-59D5346A0E6E}" type="datetimeFigureOut">
+            <a:fld id="{C49894EA-9CAF-44C9-B543-920BF59AA591}" type="datetimeFigureOut">
               <a:rPr lang="zh-CN" altLang="en-US" smtClean="0"/>
               <a:t>2024/3/10</a:t>
             </a:fld>
@@ -265,7 +265,7 @@
           <p:cNvPr id="5" name="页脚占位符 4">
             <a:extLst>
               <a:ext uri="{FF2B5EF4-FFF2-40B4-BE49-F238E27FC236}">
-                <a16:creationId xmlns:a16="http://schemas.microsoft.com/office/drawing/2014/main" id="{9A932293-7971-1D35-2191-2990D67FEDE9}"/>
+                <a16:creationId xmlns:a16="http://schemas.microsoft.com/office/drawing/2014/main" id="{30190E31-70C8-E7B9-6B52-2FCC89D406FC}"/>
               </a:ext>
             </a:extLst>
           </p:cNvPr>
@@ -290,7 +290,7 @@
           <p:cNvPr id="6" name="灯片编号占位符 5">
             <a:extLst>
               <a:ext uri="{FF2B5EF4-FFF2-40B4-BE49-F238E27FC236}">
-                <a16:creationId xmlns:a16="http://schemas.microsoft.com/office/drawing/2014/main" id="{D13C7707-AF9D-9465-1D5D-1F5364CA706A}"/>
+                <a16:creationId xmlns:a16="http://schemas.microsoft.com/office/drawing/2014/main" id="{213623C2-9426-F645-B07F-19CDD37636B8}"/>
               </a:ext>
             </a:extLst>
           </p:cNvPr>
@@ -306,7 +306,7 @@
           <a:bodyPr/>
           <a:lstStyle/>
           <a:p>
-            <a:fld id="{62036C49-D9CD-4D21-B3C3-98AFACEE0C02}" type="slidenum">
+            <a:fld id="{A3F7B375-6599-4279-A0F0-1361C0FE2060}" type="slidenum">
               <a:rPr lang="zh-CN" altLang="en-US" smtClean="0"/>
               <a:t>‹#›</a:t>
             </a:fld>
@@ -317,7 +317,7 @@
     </p:spTree>
     <p:extLst>
       <p:ext uri="{BB962C8B-B14F-4D97-AF65-F5344CB8AC3E}">
-        <p14:creationId xmlns:p14="http://schemas.microsoft.com/office/powerpoint/2010/main" val="2844029752"/>
+        <p14:creationId xmlns:p14="http://schemas.microsoft.com/office/powerpoint/2010/main" val="2616654765"/>
       </p:ext>
     </p:extLst>
   </p:cSld>
@@ -349,7 +349,7 @@
           <p:cNvPr id="2" name="标题 1">
             <a:extLst>
               <a:ext uri="{FF2B5EF4-FFF2-40B4-BE49-F238E27FC236}">
-                <a16:creationId xmlns:a16="http://schemas.microsoft.com/office/drawing/2014/main" id="{1A010FC5-B077-D0D4-83C8-E42270B7B694}"/>
+                <a16:creationId xmlns:a16="http://schemas.microsoft.com/office/drawing/2014/main" id="{084D3F6D-008A-B7C6-E0BA-1BBF6CC2C37A}"/>
               </a:ext>
             </a:extLst>
           </p:cNvPr>
@@ -377,7 +377,7 @@
           <p:cNvPr id="3" name="竖排文字占位符 2">
             <a:extLst>
               <a:ext uri="{FF2B5EF4-FFF2-40B4-BE49-F238E27FC236}">
-                <a16:creationId xmlns:a16="http://schemas.microsoft.com/office/drawing/2014/main" id="{EAE3CAB5-09A6-4F30-C0E5-69A966EE40EC}"/>
+                <a16:creationId xmlns:a16="http://schemas.microsoft.com/office/drawing/2014/main" id="{B0D09DFF-23A6-BDC5-C1F2-CA5E9F142A67}"/>
               </a:ext>
             </a:extLst>
           </p:cNvPr>
@@ -434,7 +434,7 @@
           <p:cNvPr id="4" name="日期占位符 3">
             <a:extLst>
               <a:ext uri="{FF2B5EF4-FFF2-40B4-BE49-F238E27FC236}">
-                <a16:creationId xmlns:a16="http://schemas.microsoft.com/office/drawing/2014/main" id="{68D68F59-FB92-8CB1-2AD8-F57BCB88009F}"/>
+                <a16:creationId xmlns:a16="http://schemas.microsoft.com/office/drawing/2014/main" id="{4BDCFD9E-15D3-73F5-A167-38F24167B190}"/>
               </a:ext>
             </a:extLst>
           </p:cNvPr>
@@ -450,7 +450,7 @@
           <a:bodyPr/>
           <a:lstStyle/>
           <a:p>
-            <a:fld id="{590BD0C9-7703-44E1-80EC-59D5346A0E6E}" type="datetimeFigureOut">
+            <a:fld id="{C49894EA-9CAF-44C9-B543-920BF59AA591}" type="datetimeFigureOut">
               <a:rPr lang="zh-CN" altLang="en-US" smtClean="0"/>
               <a:t>2024/3/10</a:t>
             </a:fld>
@@ -463,7 +463,7 @@
           <p:cNvPr id="5" name="页脚占位符 4">
             <a:extLst>
               <a:ext uri="{FF2B5EF4-FFF2-40B4-BE49-F238E27FC236}">
-                <a16:creationId xmlns:a16="http://schemas.microsoft.com/office/drawing/2014/main" id="{E666B90D-EBF1-53D9-8066-6E0FB6500EFF}"/>
+                <a16:creationId xmlns:a16="http://schemas.microsoft.com/office/drawing/2014/main" id="{51172705-04BC-9CCA-6C37-F5201E430E7B}"/>
               </a:ext>
             </a:extLst>
           </p:cNvPr>
@@ -488,7 +488,7 @@
           <p:cNvPr id="6" name="灯片编号占位符 5">
             <a:extLst>
               <a:ext uri="{FF2B5EF4-FFF2-40B4-BE49-F238E27FC236}">
-                <a16:creationId xmlns:a16="http://schemas.microsoft.com/office/drawing/2014/main" id="{45F3E82A-E2CC-E1A6-25F5-049136B1607F}"/>
+                <a16:creationId xmlns:a16="http://schemas.microsoft.com/office/drawing/2014/main" id="{43065DE4-C5F7-E811-96B1-D91BFF9A0665}"/>
               </a:ext>
             </a:extLst>
           </p:cNvPr>
@@ -504,7 +504,7 @@
           <a:bodyPr/>
           <a:lstStyle/>
           <a:p>
-            <a:fld id="{62036C49-D9CD-4D21-B3C3-98AFACEE0C02}" type="slidenum">
+            <a:fld id="{A3F7B375-6599-4279-A0F0-1361C0FE2060}" type="slidenum">
               <a:rPr lang="zh-CN" altLang="en-US" smtClean="0"/>
               <a:t>‹#›</a:t>
             </a:fld>
@@ -515,7 +515,7 @@
     </p:spTree>
     <p:extLst>
       <p:ext uri="{BB962C8B-B14F-4D97-AF65-F5344CB8AC3E}">
-        <p14:creationId xmlns:p14="http://schemas.microsoft.com/office/powerpoint/2010/main" val="300878145"/>
+        <p14:creationId xmlns:p14="http://schemas.microsoft.com/office/powerpoint/2010/main" val="1807104455"/>
       </p:ext>
     </p:extLst>
   </p:cSld>
@@ -547,7 +547,7 @@
           <p:cNvPr id="2" name="竖排标题 1">
             <a:extLst>
               <a:ext uri="{FF2B5EF4-FFF2-40B4-BE49-F238E27FC236}">
-                <a16:creationId xmlns:a16="http://schemas.microsoft.com/office/drawing/2014/main" id="{A05E649F-77FB-B39D-2199-A0B02BDDC1C1}"/>
+                <a16:creationId xmlns:a16="http://schemas.microsoft.com/office/drawing/2014/main" id="{F54E5CCC-EB83-5D9A-8548-0EA20D2E58FD}"/>
               </a:ext>
             </a:extLst>
           </p:cNvPr>
@@ -580,7 +580,7 @@
           <p:cNvPr id="3" name="竖排文字占位符 2">
             <a:extLst>
               <a:ext uri="{FF2B5EF4-FFF2-40B4-BE49-F238E27FC236}">
-                <a16:creationId xmlns:a16="http://schemas.microsoft.com/office/drawing/2014/main" id="{0ACE5868-8602-6AFF-03C4-B59E96250DAD}"/>
+                <a16:creationId xmlns:a16="http://schemas.microsoft.com/office/drawing/2014/main" id="{4B4B0E51-A831-AF03-DD9A-E7B2625C3B61}"/>
               </a:ext>
             </a:extLst>
           </p:cNvPr>
@@ -642,7 +642,7 @@
           <p:cNvPr id="4" name="日期占位符 3">
             <a:extLst>
               <a:ext uri="{FF2B5EF4-FFF2-40B4-BE49-F238E27FC236}">
-                <a16:creationId xmlns:a16="http://schemas.microsoft.com/office/drawing/2014/main" id="{132D9F6A-DBBF-2AA1-B8C5-6D96A1DBF537}"/>
+                <a16:creationId xmlns:a16="http://schemas.microsoft.com/office/drawing/2014/main" id="{D6F08C08-DD69-9408-75E3-6E94046DD3AA}"/>
               </a:ext>
             </a:extLst>
           </p:cNvPr>
@@ -658,7 +658,7 @@
           <a:bodyPr/>
           <a:lstStyle/>
           <a:p>
-            <a:fld id="{590BD0C9-7703-44E1-80EC-59D5346A0E6E}" type="datetimeFigureOut">
+            <a:fld id="{C49894EA-9CAF-44C9-B543-920BF59AA591}" type="datetimeFigureOut">
               <a:rPr lang="zh-CN" altLang="en-US" smtClean="0"/>
               <a:t>2024/3/10</a:t>
             </a:fld>
@@ -671,7 +671,7 @@
           <p:cNvPr id="5" name="页脚占位符 4">
             <a:extLst>
               <a:ext uri="{FF2B5EF4-FFF2-40B4-BE49-F238E27FC236}">
-                <a16:creationId xmlns:a16="http://schemas.microsoft.com/office/drawing/2014/main" id="{FA5AD35F-9E61-16B1-E3CD-45F88652BC3D}"/>
+                <a16:creationId xmlns:a16="http://schemas.microsoft.com/office/drawing/2014/main" id="{237357ED-1E2B-9378-784F-F0A2D2210B50}"/>
               </a:ext>
             </a:extLst>
           </p:cNvPr>
@@ -696,7 +696,7 @@
           <p:cNvPr id="6" name="灯片编号占位符 5">
             <a:extLst>
               <a:ext uri="{FF2B5EF4-FFF2-40B4-BE49-F238E27FC236}">
-                <a16:creationId xmlns:a16="http://schemas.microsoft.com/office/drawing/2014/main" id="{61326C65-9A14-2B96-4214-4F414236A7EE}"/>
+                <a16:creationId xmlns:a16="http://schemas.microsoft.com/office/drawing/2014/main" id="{EBD1732E-3673-11AC-AC84-629B8840CD17}"/>
               </a:ext>
             </a:extLst>
           </p:cNvPr>
@@ -712,7 +712,7 @@
           <a:bodyPr/>
           <a:lstStyle/>
           <a:p>
-            <a:fld id="{62036C49-D9CD-4D21-B3C3-98AFACEE0C02}" type="slidenum">
+            <a:fld id="{A3F7B375-6599-4279-A0F0-1361C0FE2060}" type="slidenum">
               <a:rPr lang="zh-CN" altLang="en-US" smtClean="0"/>
               <a:t>‹#›</a:t>
             </a:fld>
@@ -723,7 +723,7 @@
     </p:spTree>
     <p:extLst>
       <p:ext uri="{BB962C8B-B14F-4D97-AF65-F5344CB8AC3E}">
-        <p14:creationId xmlns:p14="http://schemas.microsoft.com/office/powerpoint/2010/main" val="1918390367"/>
+        <p14:creationId xmlns:p14="http://schemas.microsoft.com/office/powerpoint/2010/main" val="3622453715"/>
       </p:ext>
     </p:extLst>
   </p:cSld>
@@ -755,7 +755,7 @@
           <p:cNvPr id="2" name="标题 1">
             <a:extLst>
               <a:ext uri="{FF2B5EF4-FFF2-40B4-BE49-F238E27FC236}">
-                <a16:creationId xmlns:a16="http://schemas.microsoft.com/office/drawing/2014/main" id="{3D48ABF7-B41D-A44B-99DB-37025D35DFFE}"/>
+                <a16:creationId xmlns:a16="http://schemas.microsoft.com/office/drawing/2014/main" id="{E57FBCCB-3FC4-9E16-AEB1-C7B0FAE9407F}"/>
               </a:ext>
             </a:extLst>
           </p:cNvPr>
@@ -783,7 +783,7 @@
           <p:cNvPr id="3" name="内容占位符 2">
             <a:extLst>
               <a:ext uri="{FF2B5EF4-FFF2-40B4-BE49-F238E27FC236}">
-                <a16:creationId xmlns:a16="http://schemas.microsoft.com/office/drawing/2014/main" id="{B22DB881-1BD6-1FC4-B7D7-66AE04F757DC}"/>
+                <a16:creationId xmlns:a16="http://schemas.microsoft.com/office/drawing/2014/main" id="{13CA851A-426F-F3F4-69FF-6096A50EB31F}"/>
               </a:ext>
             </a:extLst>
           </p:cNvPr>
@@ -840,7 +840,7 @@
           <p:cNvPr id="4" name="日期占位符 3">
             <a:extLst>
               <a:ext uri="{FF2B5EF4-FFF2-40B4-BE49-F238E27FC236}">
-                <a16:creationId xmlns:a16="http://schemas.microsoft.com/office/drawing/2014/main" id="{8FD1EB4C-890C-C1F4-E260-BAAE111DCBD4}"/>
+                <a16:creationId xmlns:a16="http://schemas.microsoft.com/office/drawing/2014/main" id="{E9D3178C-AD37-5A69-4168-EB62519688C3}"/>
               </a:ext>
             </a:extLst>
           </p:cNvPr>
@@ -856,7 +856,7 @@
           <a:bodyPr/>
           <a:lstStyle/>
           <a:p>
-            <a:fld id="{590BD0C9-7703-44E1-80EC-59D5346A0E6E}" type="datetimeFigureOut">
+            <a:fld id="{C49894EA-9CAF-44C9-B543-920BF59AA591}" type="datetimeFigureOut">
               <a:rPr lang="zh-CN" altLang="en-US" smtClean="0"/>
               <a:t>2024/3/10</a:t>
             </a:fld>
@@ -869,7 +869,7 @@
           <p:cNvPr id="5" name="页脚占位符 4">
             <a:extLst>
               <a:ext uri="{FF2B5EF4-FFF2-40B4-BE49-F238E27FC236}">
-                <a16:creationId xmlns:a16="http://schemas.microsoft.com/office/drawing/2014/main" id="{C388F542-C632-FA92-4164-748F26914646}"/>
+                <a16:creationId xmlns:a16="http://schemas.microsoft.com/office/drawing/2014/main" id="{AEE14C69-A411-3E3D-C301-043223F4904D}"/>
               </a:ext>
             </a:extLst>
           </p:cNvPr>
@@ -894,7 +894,7 @@
           <p:cNvPr id="6" name="灯片编号占位符 5">
             <a:extLst>
               <a:ext uri="{FF2B5EF4-FFF2-40B4-BE49-F238E27FC236}">
-                <a16:creationId xmlns:a16="http://schemas.microsoft.com/office/drawing/2014/main" id="{A9D2EC38-8025-2957-81E8-E9EE685296CE}"/>
+                <a16:creationId xmlns:a16="http://schemas.microsoft.com/office/drawing/2014/main" id="{78A7F633-8CA0-343A-75C9-5F58548FDD4E}"/>
               </a:ext>
             </a:extLst>
           </p:cNvPr>
@@ -910,7 +910,7 @@
           <a:bodyPr/>
           <a:lstStyle/>
           <a:p>
-            <a:fld id="{62036C49-D9CD-4D21-B3C3-98AFACEE0C02}" type="slidenum">
+            <a:fld id="{A3F7B375-6599-4279-A0F0-1361C0FE2060}" type="slidenum">
               <a:rPr lang="zh-CN" altLang="en-US" smtClean="0"/>
               <a:t>‹#›</a:t>
             </a:fld>
@@ -921,7 +921,7 @@
     </p:spTree>
     <p:extLst>
       <p:ext uri="{BB962C8B-B14F-4D97-AF65-F5344CB8AC3E}">
-        <p14:creationId xmlns:p14="http://schemas.microsoft.com/office/powerpoint/2010/main" val="899565754"/>
+        <p14:creationId xmlns:p14="http://schemas.microsoft.com/office/powerpoint/2010/main" val="1652469359"/>
       </p:ext>
     </p:extLst>
   </p:cSld>
@@ -953,7 +953,7 @@
           <p:cNvPr id="2" name="标题 1">
             <a:extLst>
               <a:ext uri="{FF2B5EF4-FFF2-40B4-BE49-F238E27FC236}">
-                <a16:creationId xmlns:a16="http://schemas.microsoft.com/office/drawing/2014/main" id="{F7513A43-7461-2192-307C-5C08B30A7EC8}"/>
+                <a16:creationId xmlns:a16="http://schemas.microsoft.com/office/drawing/2014/main" id="{F21EEB51-83AC-C344-AC19-1A91CC6AD8CF}"/>
               </a:ext>
             </a:extLst>
           </p:cNvPr>
@@ -990,7 +990,7 @@
           <p:cNvPr id="3" name="文本占位符 2">
             <a:extLst>
               <a:ext uri="{FF2B5EF4-FFF2-40B4-BE49-F238E27FC236}">
-                <a16:creationId xmlns:a16="http://schemas.microsoft.com/office/drawing/2014/main" id="{8F6D4837-10CC-B5C1-BB47-C5246D2F1620}"/>
+                <a16:creationId xmlns:a16="http://schemas.microsoft.com/office/drawing/2014/main" id="{7B524564-BFFA-615C-CC03-75891D6B656E}"/>
               </a:ext>
             </a:extLst>
           </p:cNvPr>
@@ -1115,7 +1115,7 @@
           <p:cNvPr id="4" name="日期占位符 3">
             <a:extLst>
               <a:ext uri="{FF2B5EF4-FFF2-40B4-BE49-F238E27FC236}">
-                <a16:creationId xmlns:a16="http://schemas.microsoft.com/office/drawing/2014/main" id="{A69CE204-B24D-4A8B-7C5E-10A15D5AB3D7}"/>
+                <a16:creationId xmlns:a16="http://schemas.microsoft.com/office/drawing/2014/main" id="{2CC5ED80-8D6A-830B-7137-F3A48CAD82C6}"/>
               </a:ext>
             </a:extLst>
           </p:cNvPr>
@@ -1131,7 +1131,7 @@
           <a:bodyPr/>
           <a:lstStyle/>
           <a:p>
-            <a:fld id="{590BD0C9-7703-44E1-80EC-59D5346A0E6E}" type="datetimeFigureOut">
+            <a:fld id="{C49894EA-9CAF-44C9-B543-920BF59AA591}" type="datetimeFigureOut">
               <a:rPr lang="zh-CN" altLang="en-US" smtClean="0"/>
               <a:t>2024/3/10</a:t>
             </a:fld>
@@ -1144,7 +1144,7 @@
           <p:cNvPr id="5" name="页脚占位符 4">
             <a:extLst>
               <a:ext uri="{FF2B5EF4-FFF2-40B4-BE49-F238E27FC236}">
-                <a16:creationId xmlns:a16="http://schemas.microsoft.com/office/drawing/2014/main" id="{DFCED3AF-D6DB-7B27-D0C6-18E9AAC77FA0}"/>
+                <a16:creationId xmlns:a16="http://schemas.microsoft.com/office/drawing/2014/main" id="{8E195C79-FA0D-99D6-8023-6485F2D71D7E}"/>
               </a:ext>
             </a:extLst>
           </p:cNvPr>
@@ -1169,7 +1169,7 @@
           <p:cNvPr id="6" name="灯片编号占位符 5">
             <a:extLst>
               <a:ext uri="{FF2B5EF4-FFF2-40B4-BE49-F238E27FC236}">
-                <a16:creationId xmlns:a16="http://schemas.microsoft.com/office/drawing/2014/main" id="{D13FAE76-4D10-87FE-865D-80011AA6D019}"/>
+                <a16:creationId xmlns:a16="http://schemas.microsoft.com/office/drawing/2014/main" id="{290344F8-B62F-F462-DD06-7BD75215BBB3}"/>
               </a:ext>
             </a:extLst>
           </p:cNvPr>
@@ -1185,7 +1185,7 @@
           <a:bodyPr/>
           <a:lstStyle/>
           <a:p>
-            <a:fld id="{62036C49-D9CD-4D21-B3C3-98AFACEE0C02}" type="slidenum">
+            <a:fld id="{A3F7B375-6599-4279-A0F0-1361C0FE2060}" type="slidenum">
               <a:rPr lang="zh-CN" altLang="en-US" smtClean="0"/>
               <a:t>‹#›</a:t>
             </a:fld>
@@ -1196,7 +1196,7 @@
     </p:spTree>
     <p:extLst>
       <p:ext uri="{BB962C8B-B14F-4D97-AF65-F5344CB8AC3E}">
-        <p14:creationId xmlns:p14="http://schemas.microsoft.com/office/powerpoint/2010/main" val="1416364175"/>
+        <p14:creationId xmlns:p14="http://schemas.microsoft.com/office/powerpoint/2010/main" val="1648212076"/>
       </p:ext>
     </p:extLst>
   </p:cSld>
@@ -1228,7 +1228,7 @@
           <p:cNvPr id="2" name="标题 1">
             <a:extLst>
               <a:ext uri="{FF2B5EF4-FFF2-40B4-BE49-F238E27FC236}">
-                <a16:creationId xmlns:a16="http://schemas.microsoft.com/office/drawing/2014/main" id="{2ED249F2-EDF7-3801-8149-847D75869ACE}"/>
+                <a16:creationId xmlns:a16="http://schemas.microsoft.com/office/drawing/2014/main" id="{5BEA4B48-2F85-F5EE-086D-5653E8FCA5E0}"/>
               </a:ext>
             </a:extLst>
           </p:cNvPr>
@@ -1256,7 +1256,7 @@
           <p:cNvPr id="3" name="内容占位符 2">
             <a:extLst>
               <a:ext uri="{FF2B5EF4-FFF2-40B4-BE49-F238E27FC236}">
-                <a16:creationId xmlns:a16="http://schemas.microsoft.com/office/drawing/2014/main" id="{6DC55568-32F9-FE7F-C03F-B2F83BF83A44}"/>
+                <a16:creationId xmlns:a16="http://schemas.microsoft.com/office/drawing/2014/main" id="{0B1EA80C-9FF9-5E83-8E5B-56D5BC9FC4C8}"/>
               </a:ext>
             </a:extLst>
           </p:cNvPr>
@@ -1318,7 +1318,7 @@
           <p:cNvPr id="4" name="内容占位符 3">
             <a:extLst>
               <a:ext uri="{FF2B5EF4-FFF2-40B4-BE49-F238E27FC236}">
-                <a16:creationId xmlns:a16="http://schemas.microsoft.com/office/drawing/2014/main" id="{76B1E57F-5DEA-7E79-61DF-D5C38FE526F6}"/>
+                <a16:creationId xmlns:a16="http://schemas.microsoft.com/office/drawing/2014/main" id="{386E1A5D-F05D-F8DE-0299-676C75B84462}"/>
               </a:ext>
             </a:extLst>
           </p:cNvPr>
@@ -1380,7 +1380,7 @@
           <p:cNvPr id="5" name="日期占位符 4">
             <a:extLst>
               <a:ext uri="{FF2B5EF4-FFF2-40B4-BE49-F238E27FC236}">
-                <a16:creationId xmlns:a16="http://schemas.microsoft.com/office/drawing/2014/main" id="{81D0874A-9B6E-2FA9-D4EC-DCEC7F95B7ED}"/>
+                <a16:creationId xmlns:a16="http://schemas.microsoft.com/office/drawing/2014/main" id="{976B2E52-D41E-B9AD-0BCF-98A18EE476EA}"/>
               </a:ext>
             </a:extLst>
           </p:cNvPr>
@@ -1396,7 +1396,7 @@
           <a:bodyPr/>
           <a:lstStyle/>
           <a:p>
-            <a:fld id="{590BD0C9-7703-44E1-80EC-59D5346A0E6E}" type="datetimeFigureOut">
+            <a:fld id="{C49894EA-9CAF-44C9-B543-920BF59AA591}" type="datetimeFigureOut">
               <a:rPr lang="zh-CN" altLang="en-US" smtClean="0"/>
               <a:t>2024/3/10</a:t>
             </a:fld>
@@ -1409,7 +1409,7 @@
           <p:cNvPr id="6" name="页脚占位符 5">
             <a:extLst>
               <a:ext uri="{FF2B5EF4-FFF2-40B4-BE49-F238E27FC236}">
-                <a16:creationId xmlns:a16="http://schemas.microsoft.com/office/drawing/2014/main" id="{DBEB11F8-6B2E-491A-1D0D-DBA8709AF124}"/>
+                <a16:creationId xmlns:a16="http://schemas.microsoft.com/office/drawing/2014/main" id="{3C469153-E0AF-3B66-ADD8-8E5D22EFC292}"/>
               </a:ext>
             </a:extLst>
           </p:cNvPr>
@@ -1434,7 +1434,7 @@
           <p:cNvPr id="7" name="灯片编号占位符 6">
             <a:extLst>
               <a:ext uri="{FF2B5EF4-FFF2-40B4-BE49-F238E27FC236}">
-                <a16:creationId xmlns:a16="http://schemas.microsoft.com/office/drawing/2014/main" id="{E775E82B-CD2C-6F5A-4BA5-A0AFC57A0F1D}"/>
+                <a16:creationId xmlns:a16="http://schemas.microsoft.com/office/drawing/2014/main" id="{2AD5DBF5-4138-45AA-DB41-86107A4415C0}"/>
               </a:ext>
             </a:extLst>
           </p:cNvPr>
@@ -1450,7 +1450,7 @@
           <a:bodyPr/>
           <a:lstStyle/>
           <a:p>
-            <a:fld id="{62036C49-D9CD-4D21-B3C3-98AFACEE0C02}" type="slidenum">
+            <a:fld id="{A3F7B375-6599-4279-A0F0-1361C0FE2060}" type="slidenum">
               <a:rPr lang="zh-CN" altLang="en-US" smtClean="0"/>
               <a:t>‹#›</a:t>
             </a:fld>
@@ -1461,7 +1461,7 @@
     </p:spTree>
     <p:extLst>
       <p:ext uri="{BB962C8B-B14F-4D97-AF65-F5344CB8AC3E}">
-        <p14:creationId xmlns:p14="http://schemas.microsoft.com/office/powerpoint/2010/main" val="3165670386"/>
+        <p14:creationId xmlns:p14="http://schemas.microsoft.com/office/powerpoint/2010/main" val="1120301311"/>
       </p:ext>
     </p:extLst>
   </p:cSld>
@@ -1493,7 +1493,7 @@
           <p:cNvPr id="2" name="标题 1">
             <a:extLst>
               <a:ext uri="{FF2B5EF4-FFF2-40B4-BE49-F238E27FC236}">
-                <a16:creationId xmlns:a16="http://schemas.microsoft.com/office/drawing/2014/main" id="{81E3B141-26BD-A292-CB63-2132D3518D28}"/>
+                <a16:creationId xmlns:a16="http://schemas.microsoft.com/office/drawing/2014/main" id="{E1D49FCC-319C-84A2-5004-D08AEE03562E}"/>
               </a:ext>
             </a:extLst>
           </p:cNvPr>
@@ -1526,7 +1526,7 @@
           <p:cNvPr id="3" name="文本占位符 2">
             <a:extLst>
               <a:ext uri="{FF2B5EF4-FFF2-40B4-BE49-F238E27FC236}">
-                <a16:creationId xmlns:a16="http://schemas.microsoft.com/office/drawing/2014/main" id="{983E8F94-11BF-7253-63FD-DC8C8D3CE4C7}"/>
+                <a16:creationId xmlns:a16="http://schemas.microsoft.com/office/drawing/2014/main" id="{C5436F98-FB5B-D5BF-4D62-A6A51500D808}"/>
               </a:ext>
             </a:extLst>
           </p:cNvPr>
@@ -1597,7 +1597,7 @@
           <p:cNvPr id="4" name="内容占位符 3">
             <a:extLst>
               <a:ext uri="{FF2B5EF4-FFF2-40B4-BE49-F238E27FC236}">
-                <a16:creationId xmlns:a16="http://schemas.microsoft.com/office/drawing/2014/main" id="{79524C27-CD42-0D30-DEE4-9A4CCF4A5D8B}"/>
+                <a16:creationId xmlns:a16="http://schemas.microsoft.com/office/drawing/2014/main" id="{2C6F93CE-8C94-D119-2D36-A3F95280AD3C}"/>
               </a:ext>
             </a:extLst>
           </p:cNvPr>
@@ -1659,7 +1659,7 @@
           <p:cNvPr id="5" name="文本占位符 4">
             <a:extLst>
               <a:ext uri="{FF2B5EF4-FFF2-40B4-BE49-F238E27FC236}">
-                <a16:creationId xmlns:a16="http://schemas.microsoft.com/office/drawing/2014/main" id="{8600F8DD-FBEE-DD10-E600-DF82FC1986F1}"/>
+                <a16:creationId xmlns:a16="http://schemas.microsoft.com/office/drawing/2014/main" id="{21CA6D29-B84F-2A0F-9B08-580540C6A4D2}"/>
               </a:ext>
             </a:extLst>
           </p:cNvPr>
@@ -1730,7 +1730,7 @@
           <p:cNvPr id="6" name="内容占位符 5">
             <a:extLst>
               <a:ext uri="{FF2B5EF4-FFF2-40B4-BE49-F238E27FC236}">
-                <a16:creationId xmlns:a16="http://schemas.microsoft.com/office/drawing/2014/main" id="{206EACF5-B9E3-D605-3AFB-A890416E9145}"/>
+                <a16:creationId xmlns:a16="http://schemas.microsoft.com/office/drawing/2014/main" id="{5B9AB3D6-53DF-E4F1-4F94-22AE9E2A3ECC}"/>
               </a:ext>
             </a:extLst>
           </p:cNvPr>
@@ -1792,7 +1792,7 @@
           <p:cNvPr id="7" name="日期占位符 6">
             <a:extLst>
               <a:ext uri="{FF2B5EF4-FFF2-40B4-BE49-F238E27FC236}">
-                <a16:creationId xmlns:a16="http://schemas.microsoft.com/office/drawing/2014/main" id="{EF981F31-5F81-F637-A659-B5A3971F2A17}"/>
+                <a16:creationId xmlns:a16="http://schemas.microsoft.com/office/drawing/2014/main" id="{28788A78-6570-A482-30FA-6F8DF1A2BC72}"/>
               </a:ext>
             </a:extLst>
           </p:cNvPr>
@@ -1808,7 +1808,7 @@
           <a:bodyPr/>
           <a:lstStyle/>
           <a:p>
-            <a:fld id="{590BD0C9-7703-44E1-80EC-59D5346A0E6E}" type="datetimeFigureOut">
+            <a:fld id="{C49894EA-9CAF-44C9-B543-920BF59AA591}" type="datetimeFigureOut">
               <a:rPr lang="zh-CN" altLang="en-US" smtClean="0"/>
               <a:t>2024/3/10</a:t>
             </a:fld>
@@ -1821,7 +1821,7 @@
           <p:cNvPr id="8" name="页脚占位符 7">
             <a:extLst>
               <a:ext uri="{FF2B5EF4-FFF2-40B4-BE49-F238E27FC236}">
-                <a16:creationId xmlns:a16="http://schemas.microsoft.com/office/drawing/2014/main" id="{076C51BE-3FE0-06DB-E70A-0971200556AB}"/>
+                <a16:creationId xmlns:a16="http://schemas.microsoft.com/office/drawing/2014/main" id="{AB8A920E-AA3F-8849-87A6-34709FF5B283}"/>
               </a:ext>
             </a:extLst>
           </p:cNvPr>
@@ -1846,7 +1846,7 @@
           <p:cNvPr id="9" name="灯片编号占位符 8">
             <a:extLst>
               <a:ext uri="{FF2B5EF4-FFF2-40B4-BE49-F238E27FC236}">
-                <a16:creationId xmlns:a16="http://schemas.microsoft.com/office/drawing/2014/main" id="{498B8D29-850C-36FC-5E85-F63F8961EB60}"/>
+                <a16:creationId xmlns:a16="http://schemas.microsoft.com/office/drawing/2014/main" id="{5448A770-277F-42B6-0CD0-D24687152802}"/>
               </a:ext>
             </a:extLst>
           </p:cNvPr>
@@ -1862,7 +1862,7 @@
           <a:bodyPr/>
           <a:lstStyle/>
           <a:p>
-            <a:fld id="{62036C49-D9CD-4D21-B3C3-98AFACEE0C02}" type="slidenum">
+            <a:fld id="{A3F7B375-6599-4279-A0F0-1361C0FE2060}" type="slidenum">
               <a:rPr lang="zh-CN" altLang="en-US" smtClean="0"/>
               <a:t>‹#›</a:t>
             </a:fld>
@@ -1873,7 +1873,7 @@
     </p:spTree>
     <p:extLst>
       <p:ext uri="{BB962C8B-B14F-4D97-AF65-F5344CB8AC3E}">
-        <p14:creationId xmlns:p14="http://schemas.microsoft.com/office/powerpoint/2010/main" val="534306823"/>
+        <p14:creationId xmlns:p14="http://schemas.microsoft.com/office/powerpoint/2010/main" val="3663491209"/>
       </p:ext>
     </p:extLst>
   </p:cSld>
@@ -1905,7 +1905,7 @@
           <p:cNvPr id="2" name="标题 1">
             <a:extLst>
               <a:ext uri="{FF2B5EF4-FFF2-40B4-BE49-F238E27FC236}">
-                <a16:creationId xmlns:a16="http://schemas.microsoft.com/office/drawing/2014/main" id="{EE913CBD-0056-C237-7D68-B6A461F4D96B}"/>
+                <a16:creationId xmlns:a16="http://schemas.microsoft.com/office/drawing/2014/main" id="{8BFD12C7-A76C-03B2-AD68-1FF016DF37E5}"/>
               </a:ext>
             </a:extLst>
           </p:cNvPr>
@@ -1933,7 +1933,7 @@
           <p:cNvPr id="3" name="日期占位符 2">
             <a:extLst>
               <a:ext uri="{FF2B5EF4-FFF2-40B4-BE49-F238E27FC236}">
-                <a16:creationId xmlns:a16="http://schemas.microsoft.com/office/drawing/2014/main" id="{C877B597-A415-8BA6-ED73-AE5E99E3E2D1}"/>
+                <a16:creationId xmlns:a16="http://schemas.microsoft.com/office/drawing/2014/main" id="{3A20C56B-51C7-AA5E-2133-77501ED34F5F}"/>
               </a:ext>
             </a:extLst>
           </p:cNvPr>
@@ -1949,7 +1949,7 @@
           <a:bodyPr/>
           <a:lstStyle/>
           <a:p>
-            <a:fld id="{590BD0C9-7703-44E1-80EC-59D5346A0E6E}" type="datetimeFigureOut">
+            <a:fld id="{C49894EA-9CAF-44C9-B543-920BF59AA591}" type="datetimeFigureOut">
               <a:rPr lang="zh-CN" altLang="en-US" smtClean="0"/>
               <a:t>2024/3/10</a:t>
             </a:fld>
@@ -1962,7 +1962,7 @@
           <p:cNvPr id="4" name="页脚占位符 3">
             <a:extLst>
               <a:ext uri="{FF2B5EF4-FFF2-40B4-BE49-F238E27FC236}">
-                <a16:creationId xmlns:a16="http://schemas.microsoft.com/office/drawing/2014/main" id="{ABA63047-A891-A154-A139-19EC454AE5A4}"/>
+                <a16:creationId xmlns:a16="http://schemas.microsoft.com/office/drawing/2014/main" id="{66A8D4E2-C0BB-0E32-F829-B10F9991801B}"/>
               </a:ext>
             </a:extLst>
           </p:cNvPr>
@@ -1987,7 +1987,7 @@
           <p:cNvPr id="5" name="灯片编号占位符 4">
             <a:extLst>
               <a:ext uri="{FF2B5EF4-FFF2-40B4-BE49-F238E27FC236}">
-                <a16:creationId xmlns:a16="http://schemas.microsoft.com/office/drawing/2014/main" id="{0135D04E-A3B7-50B4-A82A-4C54FB6F21DF}"/>
+                <a16:creationId xmlns:a16="http://schemas.microsoft.com/office/drawing/2014/main" id="{BEF9CE96-6438-4DFE-7CFC-5AB3EDF0831B}"/>
               </a:ext>
             </a:extLst>
           </p:cNvPr>
@@ -2003,7 +2003,7 @@
           <a:bodyPr/>
           <a:lstStyle/>
           <a:p>
-            <a:fld id="{62036C49-D9CD-4D21-B3C3-98AFACEE0C02}" type="slidenum">
+            <a:fld id="{A3F7B375-6599-4279-A0F0-1361C0FE2060}" type="slidenum">
               <a:rPr lang="zh-CN" altLang="en-US" smtClean="0"/>
               <a:t>‹#›</a:t>
             </a:fld>
@@ -2014,7 +2014,7 @@
     </p:spTree>
     <p:extLst>
       <p:ext uri="{BB962C8B-B14F-4D97-AF65-F5344CB8AC3E}">
-        <p14:creationId xmlns:p14="http://schemas.microsoft.com/office/powerpoint/2010/main" val="1459378327"/>
+        <p14:creationId xmlns:p14="http://schemas.microsoft.com/office/powerpoint/2010/main" val="834042067"/>
       </p:ext>
     </p:extLst>
   </p:cSld>
@@ -2046,7 +2046,7 @@
           <p:cNvPr id="2" name="日期占位符 1">
             <a:extLst>
               <a:ext uri="{FF2B5EF4-FFF2-40B4-BE49-F238E27FC236}">
-                <a16:creationId xmlns:a16="http://schemas.microsoft.com/office/drawing/2014/main" id="{AE4B7836-20B8-DFAB-FF54-12A8D6DD9836}"/>
+                <a16:creationId xmlns:a16="http://schemas.microsoft.com/office/drawing/2014/main" id="{05B70198-FA73-DEAC-AFB5-CBC9F35EDC95}"/>
               </a:ext>
             </a:extLst>
           </p:cNvPr>
@@ -2062,7 +2062,7 @@
           <a:bodyPr/>
           <a:lstStyle/>
           <a:p>
-            <a:fld id="{590BD0C9-7703-44E1-80EC-59D5346A0E6E}" type="datetimeFigureOut">
+            <a:fld id="{C49894EA-9CAF-44C9-B543-920BF59AA591}" type="datetimeFigureOut">
               <a:rPr lang="zh-CN" altLang="en-US" smtClean="0"/>
               <a:t>2024/3/10</a:t>
             </a:fld>
@@ -2075,7 +2075,7 @@
           <p:cNvPr id="3" name="页脚占位符 2">
             <a:extLst>
               <a:ext uri="{FF2B5EF4-FFF2-40B4-BE49-F238E27FC236}">
-                <a16:creationId xmlns:a16="http://schemas.microsoft.com/office/drawing/2014/main" id="{57AD8351-8860-2AB8-4E36-916038C903B9}"/>
+                <a16:creationId xmlns:a16="http://schemas.microsoft.com/office/drawing/2014/main" id="{0D61F2EF-D890-1F27-FB82-539D02FA6EB8}"/>
               </a:ext>
             </a:extLst>
           </p:cNvPr>
@@ -2100,7 +2100,7 @@
           <p:cNvPr id="4" name="灯片编号占位符 3">
             <a:extLst>
               <a:ext uri="{FF2B5EF4-FFF2-40B4-BE49-F238E27FC236}">
-                <a16:creationId xmlns:a16="http://schemas.microsoft.com/office/drawing/2014/main" id="{B8ED2182-D8DC-C534-1AF2-4501E2D9A21D}"/>
+                <a16:creationId xmlns:a16="http://schemas.microsoft.com/office/drawing/2014/main" id="{C6EEB386-7E58-CFC5-35C4-9A1761574A74}"/>
               </a:ext>
             </a:extLst>
           </p:cNvPr>
@@ -2116,7 +2116,7 @@
           <a:bodyPr/>
           <a:lstStyle/>
           <a:p>
-            <a:fld id="{62036C49-D9CD-4D21-B3C3-98AFACEE0C02}" type="slidenum">
+            <a:fld id="{A3F7B375-6599-4279-A0F0-1361C0FE2060}" type="slidenum">
               <a:rPr lang="zh-CN" altLang="en-US" smtClean="0"/>
               <a:t>‹#›</a:t>
             </a:fld>
@@ -2127,7 +2127,7 @@
     </p:spTree>
     <p:extLst>
       <p:ext uri="{BB962C8B-B14F-4D97-AF65-F5344CB8AC3E}">
-        <p14:creationId xmlns:p14="http://schemas.microsoft.com/office/powerpoint/2010/main" val="1679967865"/>
+        <p14:creationId xmlns:p14="http://schemas.microsoft.com/office/powerpoint/2010/main" val="2888941414"/>
       </p:ext>
     </p:extLst>
   </p:cSld>
@@ -2159,7 +2159,7 @@
           <p:cNvPr id="2" name="标题 1">
             <a:extLst>
               <a:ext uri="{FF2B5EF4-FFF2-40B4-BE49-F238E27FC236}">
-                <a16:creationId xmlns:a16="http://schemas.microsoft.com/office/drawing/2014/main" id="{6CAA85F1-33B5-75DB-19B7-8F1148866AF8}"/>
+                <a16:creationId xmlns:a16="http://schemas.microsoft.com/office/drawing/2014/main" id="{187065AE-C6D0-13C0-1E5C-DCD7AAFE7E47}"/>
               </a:ext>
             </a:extLst>
           </p:cNvPr>
@@ -2196,7 +2196,7 @@
           <p:cNvPr id="3" name="内容占位符 2">
             <a:extLst>
               <a:ext uri="{FF2B5EF4-FFF2-40B4-BE49-F238E27FC236}">
-                <a16:creationId xmlns:a16="http://schemas.microsoft.com/office/drawing/2014/main" id="{BE6B26C2-063F-E1E5-D131-C0A20010F1D6}"/>
+                <a16:creationId xmlns:a16="http://schemas.microsoft.com/office/drawing/2014/main" id="{E387522C-621F-E4FE-835A-C05F071EB7D1}"/>
               </a:ext>
             </a:extLst>
           </p:cNvPr>
@@ -2286,7 +2286,7 @@
           <p:cNvPr id="4" name="文本占位符 3">
             <a:extLst>
               <a:ext uri="{FF2B5EF4-FFF2-40B4-BE49-F238E27FC236}">
-                <a16:creationId xmlns:a16="http://schemas.microsoft.com/office/drawing/2014/main" id="{63AD9680-C049-4877-6739-419DF197456E}"/>
+                <a16:creationId xmlns:a16="http://schemas.microsoft.com/office/drawing/2014/main" id="{0953F2F4-782E-D28A-FFED-9207147ABC8F}"/>
               </a:ext>
             </a:extLst>
           </p:cNvPr>
@@ -2357,7 +2357,7 @@
           <p:cNvPr id="5" name="日期占位符 4">
             <a:extLst>
               <a:ext uri="{FF2B5EF4-FFF2-40B4-BE49-F238E27FC236}">
-                <a16:creationId xmlns:a16="http://schemas.microsoft.com/office/drawing/2014/main" id="{7224D581-6E3E-AE2A-63C4-94E14C8BFABC}"/>
+                <a16:creationId xmlns:a16="http://schemas.microsoft.com/office/drawing/2014/main" id="{FED8F5FE-6B19-2E7B-04F5-E437164DB7DE}"/>
               </a:ext>
             </a:extLst>
           </p:cNvPr>
@@ -2373,7 +2373,7 @@
           <a:bodyPr/>
           <a:lstStyle/>
           <a:p>
-            <a:fld id="{590BD0C9-7703-44E1-80EC-59D5346A0E6E}" type="datetimeFigureOut">
+            <a:fld id="{C49894EA-9CAF-44C9-B543-920BF59AA591}" type="datetimeFigureOut">
               <a:rPr lang="zh-CN" altLang="en-US" smtClean="0"/>
               <a:t>2024/3/10</a:t>
             </a:fld>
@@ -2386,7 +2386,7 @@
           <p:cNvPr id="6" name="页脚占位符 5">
             <a:extLst>
               <a:ext uri="{FF2B5EF4-FFF2-40B4-BE49-F238E27FC236}">
-                <a16:creationId xmlns:a16="http://schemas.microsoft.com/office/drawing/2014/main" id="{B8E92964-6F9D-6246-CB0A-BF325791F316}"/>
+                <a16:creationId xmlns:a16="http://schemas.microsoft.com/office/drawing/2014/main" id="{13E4C30B-380C-F814-6CDB-06816E79FC94}"/>
               </a:ext>
             </a:extLst>
           </p:cNvPr>
@@ -2411,7 +2411,7 @@
           <p:cNvPr id="7" name="灯片编号占位符 6">
             <a:extLst>
               <a:ext uri="{FF2B5EF4-FFF2-40B4-BE49-F238E27FC236}">
-                <a16:creationId xmlns:a16="http://schemas.microsoft.com/office/drawing/2014/main" id="{53A8EE0E-3A29-A53E-0E81-3E1B045310BD}"/>
+                <a16:creationId xmlns:a16="http://schemas.microsoft.com/office/drawing/2014/main" id="{7ED67D46-8C66-A28A-F35B-30324C982318}"/>
               </a:ext>
             </a:extLst>
           </p:cNvPr>
@@ -2427,7 +2427,7 @@
           <a:bodyPr/>
           <a:lstStyle/>
           <a:p>
-            <a:fld id="{62036C49-D9CD-4D21-B3C3-98AFACEE0C02}" type="slidenum">
+            <a:fld id="{A3F7B375-6599-4279-A0F0-1361C0FE2060}" type="slidenum">
               <a:rPr lang="zh-CN" altLang="en-US" smtClean="0"/>
               <a:t>‹#›</a:t>
             </a:fld>
@@ -2438,7 +2438,7 @@
     </p:spTree>
     <p:extLst>
       <p:ext uri="{BB962C8B-B14F-4D97-AF65-F5344CB8AC3E}">
-        <p14:creationId xmlns:p14="http://schemas.microsoft.com/office/powerpoint/2010/main" val="3720015485"/>
+        <p14:creationId xmlns:p14="http://schemas.microsoft.com/office/powerpoint/2010/main" val="1571914187"/>
       </p:ext>
     </p:extLst>
   </p:cSld>
@@ -2470,7 +2470,7 @@
           <p:cNvPr id="2" name="标题 1">
             <a:extLst>
               <a:ext uri="{FF2B5EF4-FFF2-40B4-BE49-F238E27FC236}">
-                <a16:creationId xmlns:a16="http://schemas.microsoft.com/office/drawing/2014/main" id="{08219245-BDB1-36EE-0A58-A325F54B8EAB}"/>
+                <a16:creationId xmlns:a16="http://schemas.microsoft.com/office/drawing/2014/main" id="{40E00C16-CCEE-655D-A55A-03FFA9F1D6CB}"/>
               </a:ext>
             </a:extLst>
           </p:cNvPr>
@@ -2507,7 +2507,7 @@
           <p:cNvPr id="3" name="图片占位符 2">
             <a:extLst>
               <a:ext uri="{FF2B5EF4-FFF2-40B4-BE49-F238E27FC236}">
-                <a16:creationId xmlns:a16="http://schemas.microsoft.com/office/drawing/2014/main" id="{7AD8C11C-9BC5-32F9-5E85-C16C4945683D}"/>
+                <a16:creationId xmlns:a16="http://schemas.microsoft.com/office/drawing/2014/main" id="{993F5EA2-60CA-F27A-F0D1-88A72832DEC8}"/>
               </a:ext>
             </a:extLst>
           </p:cNvPr>
@@ -2574,7 +2574,7 @@
           <p:cNvPr id="4" name="文本占位符 3">
             <a:extLst>
               <a:ext uri="{FF2B5EF4-FFF2-40B4-BE49-F238E27FC236}">
-                <a16:creationId xmlns:a16="http://schemas.microsoft.com/office/drawing/2014/main" id="{D3FCFD49-A410-BEA9-E665-C5CB4D9C73E4}"/>
+                <a16:creationId xmlns:a16="http://schemas.microsoft.com/office/drawing/2014/main" id="{03343F8E-A54B-A7C4-8040-ACDB9958ECAE}"/>
               </a:ext>
             </a:extLst>
           </p:cNvPr>
@@ -2645,7 +2645,7 @@
           <p:cNvPr id="5" name="日期占位符 4">
             <a:extLst>
               <a:ext uri="{FF2B5EF4-FFF2-40B4-BE49-F238E27FC236}">
-                <a16:creationId xmlns:a16="http://schemas.microsoft.com/office/drawing/2014/main" id="{D95F8FB6-2E8D-B325-D17E-EB1A4D3015BF}"/>
+                <a16:creationId xmlns:a16="http://schemas.microsoft.com/office/drawing/2014/main" id="{8B81E170-B244-C23D-B8E4-CF1AAEE8286B}"/>
               </a:ext>
             </a:extLst>
           </p:cNvPr>
@@ -2661,7 +2661,7 @@
           <a:bodyPr/>
           <a:lstStyle/>
           <a:p>
-            <a:fld id="{590BD0C9-7703-44E1-80EC-59D5346A0E6E}" type="datetimeFigureOut">
+            <a:fld id="{C49894EA-9CAF-44C9-B543-920BF59AA591}" type="datetimeFigureOut">
               <a:rPr lang="zh-CN" altLang="en-US" smtClean="0"/>
               <a:t>2024/3/10</a:t>
             </a:fld>
@@ -2674,7 +2674,7 @@
           <p:cNvPr id="6" name="页脚占位符 5">
             <a:extLst>
               <a:ext uri="{FF2B5EF4-FFF2-40B4-BE49-F238E27FC236}">
-                <a16:creationId xmlns:a16="http://schemas.microsoft.com/office/drawing/2014/main" id="{3CD249A1-D730-71AF-44DD-B479C21CC0BD}"/>
+                <a16:creationId xmlns:a16="http://schemas.microsoft.com/office/drawing/2014/main" id="{5ADB0D34-15FF-9957-F583-D9F008CE4FF8}"/>
               </a:ext>
             </a:extLst>
           </p:cNvPr>
@@ -2699,7 +2699,7 @@
           <p:cNvPr id="7" name="灯片编号占位符 6">
             <a:extLst>
               <a:ext uri="{FF2B5EF4-FFF2-40B4-BE49-F238E27FC236}">
-                <a16:creationId xmlns:a16="http://schemas.microsoft.com/office/drawing/2014/main" id="{7BAD8AF8-DB6B-1C5C-7820-8E83A6DDDF0A}"/>
+                <a16:creationId xmlns:a16="http://schemas.microsoft.com/office/drawing/2014/main" id="{60295E25-C8D1-EEC1-393B-58E9F055A004}"/>
               </a:ext>
             </a:extLst>
           </p:cNvPr>
@@ -2715,7 +2715,7 @@
           <a:bodyPr/>
           <a:lstStyle/>
           <a:p>
-            <a:fld id="{62036C49-D9CD-4D21-B3C3-98AFACEE0C02}" type="slidenum">
+            <a:fld id="{A3F7B375-6599-4279-A0F0-1361C0FE2060}" type="slidenum">
               <a:rPr lang="zh-CN" altLang="en-US" smtClean="0"/>
               <a:t>‹#›</a:t>
             </a:fld>
@@ -2726,7 +2726,7 @@
     </p:spTree>
     <p:extLst>
       <p:ext uri="{BB962C8B-B14F-4D97-AF65-F5344CB8AC3E}">
-        <p14:creationId xmlns:p14="http://schemas.microsoft.com/office/powerpoint/2010/main" val="3771780647"/>
+        <p14:creationId xmlns:p14="http://schemas.microsoft.com/office/powerpoint/2010/main" val="1619262038"/>
       </p:ext>
     </p:extLst>
   </p:cSld>
@@ -2763,7 +2763,7 @@
           <p:cNvPr id="2" name="标题占位符 1">
             <a:extLst>
               <a:ext uri="{FF2B5EF4-FFF2-40B4-BE49-F238E27FC236}">
-                <a16:creationId xmlns:a16="http://schemas.microsoft.com/office/drawing/2014/main" id="{7FB29240-813D-4A1F-2066-AEB66878FE7F}"/>
+                <a16:creationId xmlns:a16="http://schemas.microsoft.com/office/drawing/2014/main" id="{A888B3E3-5208-F690-0822-573EECA87C04}"/>
               </a:ext>
             </a:extLst>
           </p:cNvPr>
@@ -2801,7 +2801,7 @@
           <p:cNvPr id="3" name="文本占位符 2">
             <a:extLst>
               <a:ext uri="{FF2B5EF4-FFF2-40B4-BE49-F238E27FC236}">
-                <a16:creationId xmlns:a16="http://schemas.microsoft.com/office/drawing/2014/main" id="{750614F6-A077-B682-8983-83346A300C2D}"/>
+                <a16:creationId xmlns:a16="http://schemas.microsoft.com/office/drawing/2014/main" id="{8CCEB1A2-4635-CA71-9B1C-2E8CBCC59976}"/>
               </a:ext>
             </a:extLst>
           </p:cNvPr>
@@ -2868,7 +2868,7 @@
           <p:cNvPr id="4" name="日期占位符 3">
             <a:extLst>
               <a:ext uri="{FF2B5EF4-FFF2-40B4-BE49-F238E27FC236}">
-                <a16:creationId xmlns:a16="http://schemas.microsoft.com/office/drawing/2014/main" id="{4F4B9152-A0C1-ABDA-E5A7-8B59A8245D62}"/>
+                <a16:creationId xmlns:a16="http://schemas.microsoft.com/office/drawing/2014/main" id="{54E7FA8A-8A63-4618-9046-ADA0F6C3A853}"/>
               </a:ext>
             </a:extLst>
           </p:cNvPr>
@@ -2902,7 +2902,7 @@
             </a:lvl1pPr>
           </a:lstStyle>
           <a:p>
-            <a:fld id="{590BD0C9-7703-44E1-80EC-59D5346A0E6E}" type="datetimeFigureOut">
+            <a:fld id="{C49894EA-9CAF-44C9-B543-920BF59AA591}" type="datetimeFigureOut">
               <a:rPr lang="zh-CN" altLang="en-US" smtClean="0"/>
               <a:t>2024/3/10</a:t>
             </a:fld>
@@ -2915,7 +2915,7 @@
           <p:cNvPr id="5" name="页脚占位符 4">
             <a:extLst>
               <a:ext uri="{FF2B5EF4-FFF2-40B4-BE49-F238E27FC236}">
-                <a16:creationId xmlns:a16="http://schemas.microsoft.com/office/drawing/2014/main" id="{107071BD-B3FB-B228-F604-A9F54BBA3DA5}"/>
+                <a16:creationId xmlns:a16="http://schemas.microsoft.com/office/drawing/2014/main" id="{B8D6C5F6-6943-1B48-7BF5-6A78BF341A94}"/>
               </a:ext>
             </a:extLst>
           </p:cNvPr>
@@ -2958,7 +2958,7 @@
           <p:cNvPr id="6" name="灯片编号占位符 5">
             <a:extLst>
               <a:ext uri="{FF2B5EF4-FFF2-40B4-BE49-F238E27FC236}">
-                <a16:creationId xmlns:a16="http://schemas.microsoft.com/office/drawing/2014/main" id="{2ECBD158-9F79-BE2C-8DDD-E1E2777BC680}"/>
+                <a16:creationId xmlns:a16="http://schemas.microsoft.com/office/drawing/2014/main" id="{02100C69-8D36-DB05-FFA2-5B984345B653}"/>
               </a:ext>
             </a:extLst>
           </p:cNvPr>
@@ -2992,7 +2992,7 @@
             </a:lvl1pPr>
           </a:lstStyle>
           <a:p>
-            <a:fld id="{62036C49-D9CD-4D21-B3C3-98AFACEE0C02}" type="slidenum">
+            <a:fld id="{A3F7B375-6599-4279-A0F0-1361C0FE2060}" type="slidenum">
               <a:rPr lang="zh-CN" altLang="en-US" smtClean="0"/>
               <a:t>‹#›</a:t>
             </a:fld>
@@ -3003,7 +3003,7 @@
     </p:spTree>
     <p:extLst>
       <p:ext uri="{BB962C8B-B14F-4D97-AF65-F5344CB8AC3E}">
-        <p14:creationId xmlns:p14="http://schemas.microsoft.com/office/powerpoint/2010/main" val="1491694495"/>
+        <p14:creationId xmlns:p14="http://schemas.microsoft.com/office/powerpoint/2010/main" val="4290579006"/>
       </p:ext>
     </p:extLst>
   </p:cSld>
